--- a/src/ppt11_ar.pptx
+++ b/src/ppt11_ar.pptx
@@ -219,7 +219,7 @@
             <a:fld id="{288C3450-B1F7-4D70-BBD4-DE10EE2FA08A}" type="datetimeFigureOut">
               <a:rPr lang="he-IL" smtClean="0"/>
               <a:pPr/>
-              <a:t>י"ח/אדר/תשע"ח</a:t>
+              <a:t>כ"ג/אייר/תשע"ח</a:t>
             </a:fld>
             <a:endParaRPr lang="he-IL"/>
           </a:p>
@@ -1568,7 +1568,7 @@
             <a:fld id="{48A87A34-81AB-432B-8DAE-1953F412C126}" type="datetimeFigureOut">
               <a:rPr lang="en-US" smtClean="0"/>
               <a:pPr/>
-              <a:t>3/5/2018</a:t>
+              <a:t>5/8/2018</a:t>
             </a:fld>
             <a:endParaRPr lang="en-US" dirty="0"/>
           </a:p>
@@ -1821,7 +1821,7 @@
             <a:fld id="{48A87A34-81AB-432B-8DAE-1953F412C126}" type="datetimeFigureOut">
               <a:rPr lang="en-US" smtClean="0"/>
               <a:pPr/>
-              <a:t>3/5/2018</a:t>
+              <a:t>5/8/2018</a:t>
             </a:fld>
             <a:endParaRPr lang="en-US" dirty="0"/>
           </a:p>
@@ -2137,7 +2137,7 @@
             <a:fld id="{48A87A34-81AB-432B-8DAE-1953F412C126}" type="datetimeFigureOut">
               <a:rPr lang="en-US" smtClean="0"/>
               <a:pPr/>
-              <a:t>3/5/2018</a:t>
+              <a:t>5/8/2018</a:t>
             </a:fld>
             <a:endParaRPr lang="en-US" dirty="0"/>
           </a:p>
@@ -2480,7 +2480,7 @@
             <a:fld id="{48A87A34-81AB-432B-8DAE-1953F412C126}" type="datetimeFigureOut">
               <a:rPr lang="en-US" smtClean="0"/>
               <a:pPr/>
-              <a:t>3/5/2018</a:t>
+              <a:t>5/8/2018</a:t>
             </a:fld>
             <a:endParaRPr lang="en-US" dirty="0"/>
           </a:p>
@@ -2796,7 +2796,7 @@
             <a:fld id="{48A87A34-81AB-432B-8DAE-1953F412C126}" type="datetimeFigureOut">
               <a:rPr lang="en-US" smtClean="0"/>
               <a:pPr/>
-              <a:t>3/5/2018</a:t>
+              <a:t>5/8/2018</a:t>
             </a:fld>
             <a:endParaRPr lang="en-US" dirty="0"/>
           </a:p>
@@ -3191,7 +3191,7 @@
             <a:fld id="{48A87A34-81AB-432B-8DAE-1953F412C126}" type="datetimeFigureOut">
               <a:rPr lang="en-US" smtClean="0"/>
               <a:pPr/>
-              <a:t>3/5/2018</a:t>
+              <a:t>5/8/2018</a:t>
             </a:fld>
             <a:endParaRPr lang="en-US" dirty="0"/>
           </a:p>
@@ -3363,7 +3363,7 @@
             <a:fld id="{48A87A34-81AB-432B-8DAE-1953F412C126}" type="datetimeFigureOut">
               <a:rPr lang="en-US" smtClean="0"/>
               <a:pPr/>
-              <a:t>3/5/2018</a:t>
+              <a:t>5/8/2018</a:t>
             </a:fld>
             <a:endParaRPr lang="en-US" dirty="0"/>
           </a:p>
@@ -3545,7 +3545,7 @@
             <a:fld id="{48A87A34-81AB-432B-8DAE-1953F412C126}" type="datetimeFigureOut">
               <a:rPr lang="en-US" smtClean="0"/>
               <a:pPr/>
-              <a:t>3/5/2018</a:t>
+              <a:t>5/8/2018</a:t>
             </a:fld>
             <a:endParaRPr lang="en-US" dirty="0"/>
           </a:p>
@@ -3723,7 +3723,7 @@
             <a:fld id="{48A87A34-81AB-432B-8DAE-1953F412C126}" type="datetimeFigureOut">
               <a:rPr lang="en-US" smtClean="0"/>
               <a:pPr/>
-              <a:t>3/5/2018</a:t>
+              <a:t>5/8/2018</a:t>
             </a:fld>
             <a:endParaRPr lang="en-US" dirty="0"/>
           </a:p>
@@ -3972,7 +3972,7 @@
             <a:fld id="{48A87A34-81AB-432B-8DAE-1953F412C126}" type="datetimeFigureOut">
               <a:rPr lang="en-US" smtClean="0"/>
               <a:pPr/>
-              <a:t>3/5/2018</a:t>
+              <a:t>5/8/2018</a:t>
             </a:fld>
             <a:endParaRPr lang="en-US" dirty="0"/>
           </a:p>
@@ -4206,7 +4206,7 @@
             <a:fld id="{48A87A34-81AB-432B-8DAE-1953F412C126}" type="datetimeFigureOut">
               <a:rPr lang="en-US" smtClean="0"/>
               <a:pPr/>
-              <a:t>3/5/2018</a:t>
+              <a:t>5/8/2018</a:t>
             </a:fld>
             <a:endParaRPr lang="en-US" dirty="0"/>
           </a:p>
@@ -4582,7 +4582,7 @@
             <a:fld id="{48A87A34-81AB-432B-8DAE-1953F412C126}" type="datetimeFigureOut">
               <a:rPr lang="en-US" smtClean="0"/>
               <a:pPr/>
-              <a:t>3/5/2018</a:t>
+              <a:t>5/8/2018</a:t>
             </a:fld>
             <a:endParaRPr lang="en-US" dirty="0"/>
           </a:p>
@@ -4707,7 +4707,7 @@
             <a:fld id="{48A87A34-81AB-432B-8DAE-1953F412C126}" type="datetimeFigureOut">
               <a:rPr lang="en-US" smtClean="0"/>
               <a:pPr/>
-              <a:t>3/5/2018</a:t>
+              <a:t>5/8/2018</a:t>
             </a:fld>
             <a:endParaRPr lang="en-US" dirty="0"/>
           </a:p>
@@ -4804,7 +4804,7 @@
             <a:fld id="{48A87A34-81AB-432B-8DAE-1953F412C126}" type="datetimeFigureOut">
               <a:rPr lang="en-US" smtClean="0"/>
               <a:pPr/>
-              <a:t>3/5/2018</a:t>
+              <a:t>5/8/2018</a:t>
             </a:fld>
             <a:endParaRPr lang="en-US" dirty="0"/>
           </a:p>
@@ -5061,7 +5061,7 @@
             <a:fld id="{48A87A34-81AB-432B-8DAE-1953F412C126}" type="datetimeFigureOut">
               <a:rPr lang="en-US" smtClean="0"/>
               <a:pPr/>
-              <a:t>3/5/2018</a:t>
+              <a:t>5/8/2018</a:t>
             </a:fld>
             <a:endParaRPr lang="en-US" dirty="0"/>
           </a:p>
@@ -5326,7 +5326,7 @@
             <a:fld id="{48A87A34-81AB-432B-8DAE-1953F412C126}" type="datetimeFigureOut">
               <a:rPr lang="en-US" smtClean="0"/>
               <a:pPr/>
-              <a:t>3/5/2018</a:t>
+              <a:t>5/8/2018</a:t>
             </a:fld>
             <a:endParaRPr lang="en-US" dirty="0"/>
           </a:p>
@@ -6071,7 +6071,7 @@
             <a:fld id="{48A87A34-81AB-432B-8DAE-1953F412C126}" type="datetimeFigureOut">
               <a:rPr lang="en-US" smtClean="0"/>
               <a:pPr/>
-              <a:t>3/5/2018</a:t>
+              <a:t>5/8/2018</a:t>
             </a:fld>
             <a:endParaRPr lang="en-US" dirty="0"/>
           </a:p>
@@ -6852,27 +6852,26 @@
           <a:p>
             <a:pPr marL="609600" indent="-609600"/>
             <a:r>
-              <a:rPr lang="ar-EG" sz="4000" dirty="0" smtClean="0"/>
-              <a:t> </a:t>
-            </a:r>
-            <a:r>
               <a:rPr lang="ar-EG" sz="5700" dirty="0" smtClean="0">
                 <a:latin typeface="Ara Hamah Alislam" panose="00000500000000000000" pitchFamily="2" charset="-78"/>
                 <a:cs typeface="Ara Hamah Alislam" panose="00000500000000000000" pitchFamily="2" charset="-78"/>
               </a:rPr>
-              <a:t>حفظ مشروع السكراتش </a:t>
-            </a:r>
-            <a:r>
-              <a:rPr lang="en-US" sz="5700" smtClean="0">
+              <a:t>حفظ </a:t>
+            </a:r>
+            <a:r>
+              <a:rPr lang="ar-EG" sz="5700" dirty="0">
                 <a:latin typeface="Ara Hamah Alislam" panose="00000500000000000000" pitchFamily="2" charset="-78"/>
                 <a:cs typeface="Ara Hamah Alislam" panose="00000500000000000000" pitchFamily="2" charset="-78"/>
               </a:rPr>
+              <a:t>مشروع السكراتش </a:t>
+            </a:r>
+            <a:r>
+              <a:rPr lang="en-US" sz="5700" dirty="0">
+                <a:latin typeface="Ara Hamah Alislam" panose="00000500000000000000" pitchFamily="2" charset="-78"/>
+                <a:cs typeface="Ara Hamah Alislam" panose="00000500000000000000" pitchFamily="2" charset="-78"/>
+              </a:rPr>
               <a:t>X</a:t>
             </a:r>
-            <a:endParaRPr lang="en-US" sz="5700" dirty="0">
-              <a:latin typeface="Ara Hamah Alislam" panose="00000500000000000000" pitchFamily="2" charset="-78"/>
-              <a:cs typeface="Ara Hamah Alislam" panose="00000500000000000000" pitchFamily="2" charset="-78"/>
-            </a:endParaRPr>
           </a:p>
           <a:p>
             <a:pPr marL="609600" indent="-609600"/>
@@ -7668,8 +7667,8 @@
         </p:nvSpPr>
         <p:spPr>
           <a:xfrm>
-            <a:off x="471055" y="1536121"/>
-            <a:ext cx="9504218" cy="5321879"/>
+            <a:off x="365760" y="1536121"/>
+            <a:ext cx="8934357" cy="5321879"/>
           </a:xfrm>
         </p:spPr>
         <p:txBody>
@@ -7826,18 +7825,6 @@
               </a:rPr>
               <a:t>مَن مِن الحيوانات الي تعرفونها تستخدم حاسة السمع كي تحدد اتجاهها ؟ </a:t>
             </a:r>
-            <a:endParaRPr lang="he-IL" sz="2800" dirty="0" smtClean="0">
-              <a:latin typeface="Ara Hamah Alislam" panose="00000500000000000000" pitchFamily="2" charset="-78"/>
-              <a:cs typeface="David" pitchFamily="34" charset="-79"/>
-            </a:endParaRPr>
-          </a:p>
-          <a:p>
-            <a:pPr marL="457200" indent="-457200">
-              <a:spcBef>
-                <a:spcPct val="20000"/>
-              </a:spcBef>
-              <a:buNone/>
-            </a:pPr>
             <a:endParaRPr lang="he-IL" sz="3200" dirty="0" smtClean="0">
               <a:latin typeface="David" pitchFamily="34" charset="-79"/>
               <a:cs typeface="David" pitchFamily="34" charset="-79"/>
@@ -8451,8 +8438,8 @@
             </a:r>
             <a:r>
               <a:rPr lang="en-US" sz="3600" dirty="0" smtClean="0">
-                <a:latin typeface="Arial" pitchFamily="34" charset="0"/>
-                <a:cs typeface="Arial" pitchFamily="34" charset="0"/>
+                <a:latin typeface="Ara Hamah Alislam" panose="00000500000000000000" pitchFamily="2" charset="-78"/>
+                <a:cs typeface="Ara Hamah Alislam" panose="00000500000000000000" pitchFamily="2" charset="-78"/>
               </a:rPr>
               <a:t>FTSCRACHTXT</a:t>
             </a:r>
@@ -8487,55 +8474,66 @@
                 <a:latin typeface="Ara Hamah Alislam" panose="00000500000000000000" pitchFamily="2" charset="-78"/>
                 <a:cs typeface="Ara Hamah Alislam" panose="00000500000000000000" pitchFamily="2" charset="-78"/>
               </a:rPr>
-              <a:t>USB</a:t>
-            </a:r>
-            <a:r>
-              <a:rPr lang="he-IL" sz="3600" dirty="0" smtClean="0">
-                <a:latin typeface="Ara Hamah Alislam" panose="00000500000000000000" pitchFamily="2" charset="-78"/>
-              </a:rPr>
-              <a:t> (</a:t>
-            </a:r>
+              <a:t> </a:t>
+            </a:r>
+            <a:r>
+              <a:rPr lang="he-IL" sz="3600" dirty="0" smtClean="0"/>
+              <a:t>(</a:t>
+            </a:r>
+            <a:r>
+              <a:rPr lang="en-US" sz="3600" dirty="0"/>
+              <a:t>USB/BT/</a:t>
+            </a:r>
+            <a:r>
+              <a:rPr lang="en-US" sz="3600" dirty="0" err="1"/>
+              <a:t>WiFi</a:t>
+            </a:r>
+            <a:r>
+              <a:rPr lang="he-IL" sz="3600" dirty="0"/>
+              <a:t>)</a:t>
+            </a:r>
+          </a:p>
+          <a:p>
             <a:r>
               <a:rPr lang="ar-EG" sz="3600" dirty="0" smtClean="0">
                 <a:latin typeface="Ara Hamah Alislam" panose="00000500000000000000" pitchFamily="2" charset="-78"/>
                 <a:cs typeface="Ara Hamah Alislam" panose="00000500000000000000" pitchFamily="2" charset="-78"/>
               </a:rPr>
-              <a:t>الاولى</a:t>
-            </a:r>
-            <a:r>
-              <a:rPr lang="he-IL" sz="3600" dirty="0" smtClean="0">
-                <a:latin typeface="Ara Hamah Alislam" panose="00000500000000000000" pitchFamily="2" charset="-78"/>
-              </a:rPr>
-              <a:t>)</a:t>
-            </a:r>
-          </a:p>
-          <a:p>
+              <a:t> الدخول الى موقع </a:t>
+            </a:r>
+            <a:r>
+              <a:rPr lang="en-US" sz="3600" dirty="0" err="1" smtClean="0">
+                <a:latin typeface="Ara Hamah Alislam" panose="00000500000000000000" pitchFamily="2" charset="-78"/>
+                <a:cs typeface="Ara Hamah Alislam" panose="00000500000000000000" pitchFamily="2" charset="-78"/>
+              </a:rPr>
+              <a:t>ScratchX</a:t>
+            </a:r>
+            <a:r>
+              <a:rPr lang="he-IL" sz="3600" smtClean="0">
+                <a:latin typeface="Ara Hamah Alislam" panose="00000500000000000000" pitchFamily="2" charset="-78"/>
+              </a:rPr>
+              <a:t> </a:t>
+            </a:r>
+            <a:r>
+              <a:rPr lang="ar-EG" sz="3600" smtClean="0">
+                <a:latin typeface="Ara Hamah Alislam" panose="00000500000000000000" pitchFamily="2" charset="-78"/>
+                <a:cs typeface="Ara Hamah Alislam" panose="00000500000000000000" pitchFamily="2" charset="-78"/>
+              </a:rPr>
+              <a:t>لتطبيق </a:t>
+            </a:r>
+            <a:r>
+              <a:rPr lang="ar-EG" sz="3600" dirty="0" err="1" smtClean="0">
+                <a:latin typeface="Ara Hamah Alislam" panose="00000500000000000000" pitchFamily="2" charset="-78"/>
+                <a:cs typeface="Ara Hamah Alislam" panose="00000500000000000000" pitchFamily="2" charset="-78"/>
+              </a:rPr>
+              <a:t>فيشرتكنيك</a:t>
+            </a:r>
             <a:r>
               <a:rPr lang="ar-EG" sz="3600" dirty="0" smtClean="0">
                 <a:latin typeface="Ara Hamah Alislam" panose="00000500000000000000" pitchFamily="2" charset="-78"/>
                 <a:cs typeface="Ara Hamah Alislam" panose="00000500000000000000" pitchFamily="2" charset="-78"/>
               </a:rPr>
-              <a:t> الدخول الى موقع </a:t>
-            </a:r>
-            <a:r>
-              <a:rPr lang="en-US" sz="3600" dirty="0" smtClean="0">
-                <a:latin typeface="Arial" pitchFamily="34" charset="0"/>
-                <a:cs typeface="Arial" pitchFamily="34" charset="0"/>
-              </a:rPr>
-              <a:t>ScratchX</a:t>
-            </a:r>
-            <a:r>
-              <a:rPr lang="he-IL" sz="3600" dirty="0" smtClean="0">
-                <a:latin typeface="Ara Hamah Alislam" panose="00000500000000000000" pitchFamily="2" charset="-78"/>
-              </a:rPr>
               <a:t> </a:t>
-            </a:r>
-            <a:r>
-              <a:rPr lang="ar-EG" sz="3600" dirty="0" smtClean="0">
-                <a:latin typeface="Ara Hamah Alislam" panose="00000500000000000000" pitchFamily="2" charset="-78"/>
-                <a:cs typeface="Ara Hamah Alislam" panose="00000500000000000000" pitchFamily="2" charset="-78"/>
-              </a:rPr>
-              <a:t>للتوسعة لفيشرتكنيك </a:t>
             </a:r>
             <a:endParaRPr lang="he-IL" sz="3600" dirty="0" smtClean="0">
               <a:latin typeface="Ara Hamah Alislam" panose="00000500000000000000" pitchFamily="2" charset="-78"/>
@@ -8604,7 +8602,7 @@
         </p:blipFill>
         <p:spPr bwMode="auto">
           <a:xfrm>
-            <a:off x="3062937" y="4559933"/>
+            <a:off x="3376973" y="4495279"/>
             <a:ext cx="1791878" cy="1866333"/>
           </a:xfrm>
           <a:prstGeom prst="rect">
@@ -8850,16 +8848,6 @@
               <a:latin typeface="Ara Hamah Alislam" panose="00000500000000000000" pitchFamily="2" charset="-78"/>
             </a:endParaRPr>
           </a:p>
-          <a:p>
-            <a:pPr marL="1009650" lvl="1" indent="-609600"/>
-            <a:endParaRPr lang="he-IL" sz="4600" dirty="0" smtClean="0">
-              <a:latin typeface="Ara Hamah Alislam" panose="00000500000000000000" pitchFamily="2" charset="-78"/>
-            </a:endParaRPr>
-          </a:p>
-          <a:p>
-            <a:pPr marL="609600" indent="-609600"/>
-            <a:endParaRPr lang="he-IL" sz="4800" dirty="0" smtClean="0"/>
-          </a:p>
         </p:txBody>
       </p:sp>
       <p:pic>
@@ -8884,7 +8872,7 @@
         </p:blipFill>
         <p:spPr>
           <a:xfrm>
-            <a:off x="618836" y="1562520"/>
+            <a:off x="890765" y="1747248"/>
             <a:ext cx="4457143" cy="1923810"/>
           </a:xfrm>
           <a:prstGeom prst="rect">
